--- a/documentation/03_JavaAlapok/doc/20 Java alapok ismétlése - Annotations.pptx
+++ b/documentation/03_JavaAlapok/doc/20 Java alapok ismétlése - Annotations.pptx
@@ -13653,9 +13653,6 @@
               <a:spcBef>
                 <a:spcPts val="1000"/>
               </a:spcBef>
-              <a:spcAft>
-                <a:spcPts val="0"/>
-              </a:spcAft>
               <a:buClr>
                 <a:schemeClr val="lt1"/>
               </a:buClr>
@@ -13666,42 +13663,14 @@
             <a:r>
               <a:rPr i="1" lang="hu-HU" sz="1500">
                 <a:solidFill>
-                  <a:schemeClr val="lt1"/>
+                  <a:srgbClr val="FFFFFF"/>
                 </a:solidFill>
                 <a:latin typeface="Calibri"/>
                 <a:ea typeface="Calibri"/>
                 <a:cs typeface="Calibri"/>
                 <a:sym typeface="Calibri"/>
               </a:rPr>
-              <a:t>Kis Bertalan</a:t>
-            </a:r>
-          </a:p>
-          <a:p>
-            <a:pPr indent="0" lvl="0" marL="0" marR="0" rtl="0" algn="l">
-              <a:lnSpc>
-                <a:spcPct val="90000"/>
-              </a:lnSpc>
-              <a:spcBef>
-                <a:spcPts val="1000"/>
-              </a:spcBef>
-              <a:buClr>
-                <a:schemeClr val="lt1"/>
-              </a:buClr>
-              <a:buSzPct val="25000"/>
-              <a:buFont typeface="Arial"/>
-              <a:buNone/>
-            </a:pPr>
-            <a:r>
-              <a:rPr i="1" lang="hu-HU" sz="1500">
-                <a:solidFill>
-                  <a:schemeClr val="lt1"/>
-                </a:solidFill>
-                <a:latin typeface="Calibri"/>
-                <a:ea typeface="Calibri"/>
-                <a:cs typeface="Calibri"/>
-                <a:sym typeface="Calibri"/>
-              </a:rPr>
-              <a:t>Bertalan_Kis@epam.com</a:t>
+              <a:t>Farkas László</a:t>
             </a:r>
           </a:p>
         </p:txBody>
